--- a/Cloud Computing/Paper review/22.09.08_Kappa_SoheeKim.pptx
+++ b/Cloud Computing/Paper review/22.09.08_Kappa_SoheeKim.pptx
@@ -6885,8 +6885,8 @@
   </pc:docChgLst>
   <pc:docChgLst>
     <pc:chgData name="김소희" userId="292a1162-0793-4577-a94d-2dae0dfa5995" providerId="ADAL" clId="{6118A886-3A0E-4442-9BE1-95D79F4CEC92}"/>
-    <pc:docChg chg="undo custSel addSld delSld modSld">
-      <pc:chgData name="김소희" userId="292a1162-0793-4577-a94d-2dae0dfa5995" providerId="ADAL" clId="{6118A886-3A0E-4442-9BE1-95D79F4CEC92}" dt="2022-09-07T07:55:17.515" v="109"/>
+    <pc:docChg chg="undo custSel addSld delSld modSld modMainMaster">
+      <pc:chgData name="김소희" userId="292a1162-0793-4577-a94d-2dae0dfa5995" providerId="ADAL" clId="{6118A886-3A0E-4442-9BE1-95D79F4CEC92}" dt="2022-09-08T01:36:13.739" v="394" actId="1076"/>
       <pc:docMkLst>
         <pc:docMk/>
       </pc:docMkLst>
@@ -6897,6 +6897,13 @@
           <pc:sldMk cId="158654813" sldId="256"/>
         </pc:sldMkLst>
       </pc:sldChg>
+      <pc:sldChg chg="modNotesTx">
+        <pc:chgData name="김소희" userId="292a1162-0793-4577-a94d-2dae0dfa5995" providerId="ADAL" clId="{6118A886-3A0E-4442-9BE1-95D79F4CEC92}" dt="2022-09-08T01:21:46.252" v="130" actId="20577"/>
+        <pc:sldMkLst>
+          <pc:docMk/>
+          <pc:sldMk cId="2540614236" sldId="259"/>
+        </pc:sldMkLst>
+      </pc:sldChg>
       <pc:sldChg chg="addSp modSp mod modNotesTx">
         <pc:chgData name="김소희" userId="292a1162-0793-4577-a94d-2dae0dfa5995" providerId="ADAL" clId="{6118A886-3A0E-4442-9BE1-95D79F4CEC92}" dt="2022-09-07T07:03:01.151" v="99" actId="14100"/>
         <pc:sldMkLst>
@@ -6935,6 +6942,72 @@
           <pc:sldMk cId="708288057" sldId="276"/>
         </pc:sldMkLst>
       </pc:sldChg>
+      <pc:sldChg chg="modNotesTx">
+        <pc:chgData name="김소희" userId="292a1162-0793-4577-a94d-2dae0dfa5995" providerId="ADAL" clId="{6118A886-3A0E-4442-9BE1-95D79F4CEC92}" dt="2022-09-08T01:20:45.279" v="125" actId="20577"/>
+        <pc:sldMkLst>
+          <pc:docMk/>
+          <pc:sldMk cId="4100429429" sldId="277"/>
+        </pc:sldMkLst>
+      </pc:sldChg>
+      <pc:sldChg chg="modNotesTx">
+        <pc:chgData name="김소희" userId="292a1162-0793-4577-a94d-2dae0dfa5995" providerId="ADAL" clId="{6118A886-3A0E-4442-9BE1-95D79F4CEC92}" dt="2022-09-08T01:22:29.195" v="169" actId="20577"/>
+        <pc:sldMkLst>
+          <pc:docMk/>
+          <pc:sldMk cId="2179160405" sldId="278"/>
+        </pc:sldMkLst>
+      </pc:sldChg>
+      <pc:sldChg chg="modNotesTx">
+        <pc:chgData name="김소희" userId="292a1162-0793-4577-a94d-2dae0dfa5995" providerId="ADAL" clId="{6118A886-3A0E-4442-9BE1-95D79F4CEC92}" dt="2022-09-08T01:23:21.544" v="214" actId="20577"/>
+        <pc:sldMkLst>
+          <pc:docMk/>
+          <pc:sldMk cId="2621203613" sldId="280"/>
+        </pc:sldMkLst>
+      </pc:sldChg>
+      <pc:sldChg chg="modNotesTx">
+        <pc:chgData name="김소희" userId="292a1162-0793-4577-a94d-2dae0dfa5995" providerId="ADAL" clId="{6118A886-3A0E-4442-9BE1-95D79F4CEC92}" dt="2022-09-08T01:23:56.394" v="249" actId="20577"/>
+        <pc:sldMkLst>
+          <pc:docMk/>
+          <pc:sldMk cId="1553973615" sldId="282"/>
+        </pc:sldMkLst>
+      </pc:sldChg>
+      <pc:sldChg chg="modNotesTx">
+        <pc:chgData name="김소희" userId="292a1162-0793-4577-a94d-2dae0dfa5995" providerId="ADAL" clId="{6118A886-3A0E-4442-9BE1-95D79F4CEC92}" dt="2022-09-08T01:25:53.032" v="316" actId="20577"/>
+        <pc:sldMkLst>
+          <pc:docMk/>
+          <pc:sldMk cId="971916344" sldId="283"/>
+        </pc:sldMkLst>
+      </pc:sldChg>
+      <pc:sldChg chg="modNotesTx">
+        <pc:chgData name="김소희" userId="292a1162-0793-4577-a94d-2dae0dfa5995" providerId="ADAL" clId="{6118A886-3A0E-4442-9BE1-95D79F4CEC92}" dt="2022-09-08T01:26:49.509" v="386" actId="6549"/>
+        <pc:sldMkLst>
+          <pc:docMk/>
+          <pc:sldMk cId="3718618625" sldId="284"/>
+        </pc:sldMkLst>
+      </pc:sldChg>
+      <pc:sldMasterChg chg="modSldLayout">
+        <pc:chgData name="김소희" userId="292a1162-0793-4577-a94d-2dae0dfa5995" providerId="ADAL" clId="{6118A886-3A0E-4442-9BE1-95D79F4CEC92}" dt="2022-09-08T01:36:13.739" v="394" actId="1076"/>
+        <pc:sldMasterMkLst>
+          <pc:docMk/>
+          <pc:sldMasterMk cId="3910064173" sldId="2147483648"/>
+        </pc:sldMasterMkLst>
+        <pc:sldLayoutChg chg="modSp mod">
+          <pc:chgData name="김소희" userId="292a1162-0793-4577-a94d-2dae0dfa5995" providerId="ADAL" clId="{6118A886-3A0E-4442-9BE1-95D79F4CEC92}" dt="2022-09-08T01:36:13.739" v="394" actId="1076"/>
+          <pc:sldLayoutMkLst>
+            <pc:docMk/>
+            <pc:sldMasterMk cId="3910064173" sldId="2147483648"/>
+            <pc:sldLayoutMk cId="2993821319" sldId="2147483650"/>
+          </pc:sldLayoutMkLst>
+          <pc:spChg chg="mod">
+            <ac:chgData name="김소희" userId="292a1162-0793-4577-a94d-2dae0dfa5995" providerId="ADAL" clId="{6118A886-3A0E-4442-9BE1-95D79F4CEC92}" dt="2022-09-08T01:36:13.739" v="394" actId="1076"/>
+            <ac:spMkLst>
+              <pc:docMk/>
+              <pc:sldMasterMk cId="3910064173" sldId="2147483648"/>
+              <pc:sldLayoutMk cId="2993821319" sldId="2147483650"/>
+              <ac:spMk id="8" creationId="{E8747D6F-E9C7-70E1-DE8C-54BEFCF726C3}"/>
+            </ac:spMkLst>
+          </pc:spChg>
+        </pc:sldLayoutChg>
+      </pc:sldMasterChg>
     </pc:docChg>
   </pc:docChgLst>
   <pc:docChgLst>
@@ -7641,16 +7714,19 @@
           <a:p>
             <a:r>
               <a:rPr lang="en-US" altLang="ko-KR" dirty="0"/>
-              <a:t>We now demonstrate the performance and generality of Kappa.</a:t>
-            </a:r>
-          </a:p>
-          <a:p>
-            <a:endParaRPr lang="en-US" altLang="ko-KR" dirty="0"/>
+              <a:t>Next, they demonstrate the performance and generality of Kappa.</a:t>
+            </a:r>
           </a:p>
           <a:p>
             <a:r>
               <a:rPr lang="en-US" altLang="ko-KR" dirty="0"/>
-              <a:t>We run a task on a lambda function that checkpoints every 100 </a:t>
+              <a:t>For checkpointing Overhead,</a:t>
+            </a:r>
+          </a:p>
+          <a:p>
+            <a:r>
+              <a:rPr lang="en-US" altLang="ko-KR" dirty="0"/>
+              <a:t>They run a task on a lambda function that checkpoints every 100 </a:t>
             </a:r>
             <a:r>
               <a:rPr lang="en-US" altLang="ko-KR" b="0" i="0" dirty="0">
@@ -7664,9 +7740,20 @@
             </a:r>
             <a:r>
               <a:rPr lang="en-US" altLang="ko-KR" dirty="0"/>
-              <a:t> and measure the latency. We look at both synchronous checkpoints (where application processing is paused until the checkpoint is persisted and the RPC returns) and asynchronous checkpoints (where a background step persists the checkpoint and makes the RPC)</a:t>
-            </a:r>
-            <a:endParaRPr lang="en-US" altLang="ko-KR" strike="noStrike" dirty="0"/>
+              <a:t> and measure the latency. They look at both synchronous checkpoints </a:t>
+            </a:r>
+            <a:r>
+              <a:rPr lang="en-US" altLang="ko-KR" strike="sngStrike" dirty="0"/>
+              <a:t>(where application processing is paused until the checkpoint is persisted and the RPC returns) </a:t>
+            </a:r>
+            <a:r>
+              <a:rPr lang="en-US" altLang="ko-KR" dirty="0"/>
+              <a:t>and asynchronous checkpoints </a:t>
+            </a:r>
+            <a:r>
+              <a:rPr lang="en-US" altLang="ko-KR" strike="sngStrike" dirty="0"/>
+              <a:t>(where a background step persists the checkpoint and makes the RPC)</a:t>
+            </a:r>
           </a:p>
           <a:p>
             <a:r>
@@ -7685,7 +7772,13 @@
             </a:r>
             <a:r>
               <a:rPr lang="en-US" altLang="ko-KR" dirty="0"/>
-              <a:t> for Redis checkpoints of up to 100 KB, but grows more rapidly afterwards as replication becomes throughput-bound. Finally, asynchronous checkpointing is slower as it is overlapped with foreground computation.</a:t>
+              <a:t> for Redis checkpoints of up to 100 KB, / but grows more rapidly afterwards as replication becomes throughput-bound.</a:t>
+            </a:r>
+          </a:p>
+          <a:p>
+            <a:r>
+              <a:rPr lang="en-US" altLang="ko-KR" dirty="0"/>
+              <a:t> Finally, asynchronous checkpointing is slower as it is overlapped with foreground computation.</a:t>
             </a:r>
             <a:endParaRPr lang="en-US" altLang="ko-KR" strike="noStrike" dirty="0"/>
           </a:p>
@@ -7812,6 +7905,12 @@
           <a:p>
             <a:r>
               <a:rPr lang="en-US" altLang="ko-KR" dirty="0"/>
+              <a:t>For evaluation of performance of Kappa Library,</a:t>
+            </a:r>
+          </a:p>
+          <a:p>
+            <a:r>
+              <a:rPr lang="en-US" altLang="ko-KR" dirty="0"/>
               <a:t>They have an on-coordinator task measure the latency of spawning an empty task and waiting for its completion, varying the amount of data passed to the task.</a:t>
             </a:r>
           </a:p>
@@ -7821,7 +7920,7 @@
           <a:p>
             <a:r>
               <a:rPr lang="en-US" altLang="ko-KR" dirty="0"/>
-              <a:t>As Table 4a shows, even when passing a large 1 MB argument, Kappa launches a task within 55 </a:t>
+              <a:t>As left Table shows, even when passing a large 1 MB argument, Kappa launches a task within 55 </a:t>
             </a:r>
             <a:r>
               <a:rPr lang="en-US" altLang="ko-KR" dirty="0" err="1"/>
@@ -7838,7 +7937,7 @@
           <a:p>
             <a:r>
               <a:rPr lang="en-US" altLang="ko-KR" dirty="0"/>
-              <a:t>Table 4b shows the mean launch times for the 500th, 990th, and 1000th lambdas</a:t>
+              <a:t>Right Table shows the mean launch times for the 500th, 990th, and 1000th lambdas</a:t>
             </a:r>
           </a:p>
           <a:p>
@@ -8434,21 +8533,75 @@
           <a:bodyPr/>
           <a:lstStyle/>
           <a:p>
+            <a:pPr marL="0" marR="0" lvl="0" indent="0" algn="l" defTabSz="914400" rtl="0" eaLnBrk="1" fontAlgn="auto" latinLnBrk="1" hangingPunct="1">
+              <a:lnSpc>
+                <a:spcPct val="100000"/>
+              </a:lnSpc>
+              <a:spcBef>
+                <a:spcPts val="0"/>
+              </a:spcBef>
+              <a:spcAft>
+                <a:spcPts val="0"/>
+              </a:spcAft>
+              <a:buClrTx/>
+              <a:buSzTx/>
+              <a:buFontTx/>
+              <a:buNone/>
+              <a:tabLst/>
+              <a:defRPr/>
+            </a:pPr>
             <a:r>
               <a:rPr lang="en-US" altLang="ko-KR" dirty="0"/>
-              <a:t>Checkpointing. To run long tasks on time-bounded lambdas, Kappa checkpoints program state periodically and restores from this checkpoint upon lambda function timeout. Our continuation-based checkpointing mechanism (§ 3.2) operates in user mode and requires no modifications to the serverless platform. </a:t>
-            </a:r>
-          </a:p>
-          <a:p>
+              <a:t>This paper presents Kappa, a programming framework for general-purpose, parallel </a:t>
+            </a:r>
+            <a:r>
+              <a:rPr lang="en-US" altLang="ko-KR" dirty="0" err="1"/>
+              <a:t>severless</a:t>
+            </a:r>
             <a:r>
               <a:rPr lang="en-US" altLang="ko-KR" dirty="0"/>
-              <a:t>Concurrency API. To program parallel lambdas, Kappa provides a concurrency API that supports spawning tasks, waiting on futures, and passing messages between lambdas (§ 3.3). </a:t>
-            </a:r>
-          </a:p>
-          <a:p>
+              <a:t> applications</a:t>
+            </a:r>
+          </a:p>
+          <a:p>
+            <a:pPr marL="0" marR="0" lvl="0" indent="0" algn="l" defTabSz="914400" rtl="0" eaLnBrk="1" fontAlgn="auto" latinLnBrk="1" hangingPunct="1">
+              <a:lnSpc>
+                <a:spcPct val="100000"/>
+              </a:lnSpc>
+              <a:spcBef>
+                <a:spcPts val="0"/>
+              </a:spcBef>
+              <a:spcAft>
+                <a:spcPts val="0"/>
+              </a:spcAft>
+              <a:buClrTx/>
+              <a:buSzTx/>
+              <a:buFontTx/>
+              <a:buNone/>
+              <a:tabLst/>
+              <a:defRPr/>
+            </a:pPr>
             <a:r>
               <a:rPr lang="en-US" altLang="ko-KR" dirty="0"/>
-              <a:t>Fault tolerance. Kappa tasks can exhibit nondeterminism and side effects. Using checkpoints, Kappa ensures that execution never diverges due to nondeterminism, and that any side effects invoked within the system are never re-executed in face of arbitrary lambda function timeouts (§ 3.1).</a:t>
+              <a:t>Kappa offers three main features:</a:t>
+            </a:r>
+          </a:p>
+          <a:p>
+            <a:r>
+              <a:rPr lang="en-US" altLang="ko-KR" dirty="0"/>
+              <a:t>1. Checkpointing. To run long tasks on time-bounded lambdas, Kappa checkpoints program state periodically and restores from this checkpoint upon lambda function timeout. Our continuation-based checkpointing mechanism (§ 3.2) operates in user mode and requires no modifications to the serverless platform. </a:t>
+            </a:r>
+          </a:p>
+          <a:p>
+            <a:r>
+              <a:rPr lang="en-US" altLang="ko-KR" dirty="0"/>
+              <a:t>2. Concurrency API. To program parallel lambdas, Kappa provides a concurrency API that supports spawning tasks, waiting on futures, and passing messages between lambdas (§ 3.3). </a:t>
+            </a:r>
+          </a:p>
+          <a:p>
+            <a:r>
+              <a:rPr lang="en-US" altLang="ko-KR" dirty="0"/>
+              <a:t>3. Fault tolerance. Kappa tasks can exhibit nondeterminism and side effects. Using checkpoints, Kappa ensures that execution never diverges due to nondeterminism, and that any side effects invoked within the system are never re-executed in face of arbitrary lambda function timeouts (§ 3.1).</a:t>
             </a:r>
           </a:p>
           <a:p>
@@ -8550,16 +8703,26 @@
           <a:lstStyle/>
           <a:p>
             <a:r>
-              <a:rPr lang="en-US" altLang="ko-KR" strike="sngStrike" dirty="0">
+              <a:rPr lang="en-US" altLang="ko-KR" strike="noStrike" dirty="0">
                 <a:effectLst/>
               </a:rPr>
               <a:t>Kappa executes parallel code of arbitrary duration using short-lived lambda functions. </a:t>
             </a:r>
+          </a:p>
+          <a:p>
             <a:r>
               <a:rPr lang="en-US" altLang="ko-KR" strike="noStrike" dirty="0">
                 <a:effectLst/>
               </a:rPr>
-              <a:t>In Kappa, a task represents a logical thread of execution running in its own memory space, and physically runs on one or more lambda functions. We allow tasks to span multiple lambda functions by periodically checkpointing them. </a:t>
+              <a:t>In Kappa, a task represents a logical thread of execution running in its own memory space, and physically runs on one or more lambda functions. </a:t>
+            </a:r>
+          </a:p>
+          <a:p>
+            <a:r>
+              <a:rPr lang="en-US" altLang="ko-KR" strike="noStrike" dirty="0">
+                <a:effectLst/>
+              </a:rPr>
+              <a:t>We allow tasks to span multiple lambda functions by periodically checkpointing them. </a:t>
             </a:r>
             <a:r>
               <a:rPr lang="en-US" altLang="ko-KR" strike="sngStrike" dirty="0">
@@ -8583,7 +8746,7 @@
           <a:p>
             <a:r>
               <a:rPr lang="en-US" altLang="ko-KR" dirty="0"/>
-              <a:t>As shown in Figure 1, when using Kappa, a programmer writes code similar to what runs on a traditional platform, with minor modifications required by Kappa (§ 6). Next, the compiler transforms this code into a form suitable for use by Kappa. Lastly, this program is packaged with the Kappa library and launched by the coordinator, which starts by running a designated “main” task. </a:t>
+              <a:t>As shown in Figure, when using Kappa, a programmer writes code similar to what runs on a traditional platform, with minor modifications required by Kappa (§ 6). Next, the compiler transforms this code into a form suitable for use by Kappa. Lastly, this program is packaged with the Kappa library and launched by the coordinator, which starts by running a designated “main” task. </a:t>
             </a:r>
           </a:p>
           <a:p>
@@ -8673,6 +8836,36 @@
           <a:p>
             <a:r>
               <a:rPr lang="en-US" altLang="ko-KR" dirty="0"/>
+              <a:t>Next</a:t>
+            </a:r>
+            <a:r>
+              <a:rPr lang="ko-KR" altLang="en-US" dirty="0"/>
+              <a:t> </a:t>
+            </a:r>
+            <a:r>
+              <a:rPr lang="en-US" altLang="ko-KR" dirty="0"/>
+              <a:t>is</a:t>
+            </a:r>
+            <a:r>
+              <a:rPr lang="ko-KR" altLang="en-US" dirty="0"/>
+              <a:t> </a:t>
+            </a:r>
+            <a:r>
+              <a:rPr lang="en-US" altLang="ko-KR" dirty="0"/>
+              <a:t>about</a:t>
+            </a:r>
+            <a:r>
+              <a:rPr lang="ko-KR" altLang="en-US" dirty="0"/>
+              <a:t> </a:t>
+            </a:r>
+            <a:r>
+              <a:rPr lang="en-US" altLang="ko-KR" dirty="0"/>
+              <a:t>Coordinator</a:t>
+            </a:r>
+          </a:p>
+          <a:p>
+            <a:r>
+              <a:rPr lang="en-US" altLang="ko-KR" dirty="0"/>
               <a:t>The Kappa coordinator is responsible for scheduling tasks on lambda functions, implementing synchronization and cross-task communication, tracking task metadata (including checkpoints), and providing fault tolerance.</a:t>
             </a:r>
           </a:p>
@@ -8688,7 +8881,7 @@
           <a:p>
             <a:r>
               <a:rPr lang="en-US" altLang="ko-KR" dirty="0"/>
-              <a:t>The coordinator tracks the latest checkpoint of each task. A task writes checkpoint content directly to storage (e.g., S3 or Redis), and the coordinator maintains only checkpoint locations. Tasks communicate with the coordinator through the remote procedure calls (RPCs) summarized in Table 2.</a:t>
+              <a:t>The coordinator tracks the latest checkpoint of each task. A task writes checkpoint content directly to storage (e.g., S3 or Redis), and the coordinator maintains only checkpoint locations. Tasks communicate with the coordinator through the remote procedure calls (RPCs) summarized in this Table.</a:t>
             </a:r>
           </a:p>
           <a:p>
@@ -9135,6 +9328,12 @@
           <a:p>
             <a:r>
               <a:rPr lang="en-US" altLang="ko-KR" dirty="0"/>
+              <a:t>Next is about concurrency API.</a:t>
+            </a:r>
+          </a:p>
+          <a:p>
+            <a:r>
+              <a:rPr lang="en-US" altLang="ko-KR" dirty="0"/>
               <a:t>Kappa provides mechanisms for launching and synchronizing parallel tasks, making it easier to exploit the resource elasticity offered by serverless platforms. </a:t>
             </a:r>
           </a:p>
@@ -9294,7 +9493,31 @@
           <a:p>
             <a:r>
               <a:rPr lang="en-US" altLang="ko-KR" strike="noStrike" dirty="0"/>
-              <a:t>A Kappa task can call services external to the platform (e.g., a REST API for computer vision). Interactions with external services pose two fault tolerance challenges: Kappa must ensure that (1) external calls with side effects be issued only once even when lambdas time out;8 and (2) calls that last longer than the lambda time limit make progress. </a:t>
+              <a:t>Last is about </a:t>
+            </a:r>
+            <a:r>
+              <a:rPr lang="en-US" altLang="ko-KR" strike="noStrike" dirty="0" err="1"/>
+              <a:t>Externel</a:t>
+            </a:r>
+            <a:r>
+              <a:rPr lang="en-US" altLang="ko-KR" strike="noStrike" dirty="0"/>
+              <a:t> Services.</a:t>
+            </a:r>
+          </a:p>
+          <a:p>
+            <a:r>
+              <a:rPr lang="en-US" altLang="ko-KR" strike="noStrike" dirty="0"/>
+              <a:t>A Kappa task can call services external to the platform (</a:t>
+            </a:r>
+            <a:r>
+              <a:rPr lang="en-US" altLang="ko-KR" strike="sngStrike" dirty="0"/>
+              <a:t>e.g., a REST API for computer vision). </a:t>
+            </a:r>
+          </a:p>
+          <a:p>
+            <a:r>
+              <a:rPr lang="en-US" altLang="ko-KR" strike="noStrike" dirty="0"/>
+              <a:t>Interactions with external services pose two fault tolerance challenges: Kappa must ensure that (1) external calls with side effects be issued only once even when lambdas time out;8 and (2) calls that last longer than the lambda time limit make progress. </a:t>
             </a:r>
           </a:p>
           <a:p>
@@ -9591,7 +9814,7 @@
           <a:solidFill>
             <a:schemeClr val="bg1">
               <a:lumMod val="50000"/>
-              <a:alpha val="40000"/>
+              <a:alpha val="30000"/>
             </a:schemeClr>
           </a:solidFill>
           <a:ln>
@@ -9619,7 +9842,7 @@
           <a:lstStyle/>
           <a:p>
             <a:pPr algn="ctr"/>
-            <a:endParaRPr lang="ko-KR" altLang="en-US"/>
+            <a:endParaRPr lang="ko-KR" altLang="en-US" dirty="0"/>
           </a:p>
         </p:txBody>
       </p:sp>
